--- a/Tidyverse Workshop/Presentation/Tidyverse Presentation.pptx
+++ b/Tidyverse Workshop/Presentation/Tidyverse Presentation.pptx
@@ -7,10 +7,11 @@
   <p:sldIdLst>
     <p:sldId id="256" r:id="rId2"/>
     <p:sldId id="257" r:id="rId3"/>
-    <p:sldId id="258" r:id="rId4"/>
-    <p:sldId id="259" r:id="rId5"/>
-    <p:sldId id="260" r:id="rId6"/>
-    <p:sldId id="261" r:id="rId7"/>
+    <p:sldId id="262" r:id="rId4"/>
+    <p:sldId id="258" r:id="rId5"/>
+    <p:sldId id="259" r:id="rId6"/>
+    <p:sldId id="260" r:id="rId7"/>
+    <p:sldId id="261" r:id="rId8"/>
   </p:sldIdLst>
   <p:sldSz cx="12192000" cy="6858000"/>
   <p:notesSz cx="6858000" cy="9144000"/>
@@ -342,7 +343,7 @@
             <a:fld id="{5586B75A-687E-405C-8A0B-8D00578BA2C3}" type="datetimeFigureOut">
               <a:rPr lang="en-US" dirty="0"/>
               <a:pPr/>
-              <a:t>10/20/2018</a:t>
+              <a:t>10/22/2018</a:t>
             </a:fld>
             <a:endParaRPr lang="en-US" dirty="0"/>
           </a:p>
@@ -509,7 +510,7 @@
             <a:fld id="{5586B75A-687E-405C-8A0B-8D00578BA2C3}" type="datetimeFigureOut">
               <a:rPr lang="en-US" dirty="0"/>
               <a:pPr/>
-              <a:t>10/20/2018</a:t>
+              <a:t>10/22/2018</a:t>
             </a:fld>
             <a:endParaRPr lang="en-US" dirty="0"/>
           </a:p>
@@ -686,7 +687,7 @@
             <a:fld id="{5586B75A-687E-405C-8A0B-8D00578BA2C3}" type="datetimeFigureOut">
               <a:rPr lang="en-US" dirty="0"/>
               <a:pPr/>
-              <a:t>10/20/2018</a:t>
+              <a:t>10/22/2018</a:t>
             </a:fld>
             <a:endParaRPr lang="en-US" dirty="0"/>
           </a:p>
@@ -853,7 +854,7 @@
             <a:fld id="{5586B75A-687E-405C-8A0B-8D00578BA2C3}" type="datetimeFigureOut">
               <a:rPr lang="en-US" dirty="0"/>
               <a:pPr/>
-              <a:t>10/20/2018</a:t>
+              <a:t>10/22/2018</a:t>
             </a:fld>
             <a:endParaRPr lang="en-US" dirty="0"/>
           </a:p>
@@ -1108,7 +1109,7 @@
             <a:fld id="{5586B75A-687E-405C-8A0B-8D00578BA2C3}" type="datetimeFigureOut">
               <a:rPr lang="en-US" dirty="0"/>
               <a:pPr/>
-              <a:t>10/20/2018</a:t>
+              <a:t>10/22/2018</a:t>
             </a:fld>
             <a:endParaRPr lang="en-US" dirty="0"/>
           </a:p>
@@ -1393,7 +1394,7 @@
             <a:fld id="{5586B75A-687E-405C-8A0B-8D00578BA2C3}" type="datetimeFigureOut">
               <a:rPr lang="en-US" dirty="0"/>
               <a:pPr/>
-              <a:t>10/20/2018</a:t>
+              <a:t>10/22/2018</a:t>
             </a:fld>
             <a:endParaRPr lang="en-US" dirty="0"/>
           </a:p>
@@ -1832,7 +1833,7 @@
             <a:fld id="{5586B75A-687E-405C-8A0B-8D00578BA2C3}" type="datetimeFigureOut">
               <a:rPr lang="en-US" dirty="0"/>
               <a:pPr/>
-              <a:t>10/20/2018</a:t>
+              <a:t>10/22/2018</a:t>
             </a:fld>
             <a:endParaRPr lang="en-US" dirty="0"/>
           </a:p>
@@ -1947,7 +1948,7 @@
             <a:fld id="{5586B75A-687E-405C-8A0B-8D00578BA2C3}" type="datetimeFigureOut">
               <a:rPr lang="en-US" dirty="0"/>
               <a:pPr/>
-              <a:t>10/20/2018</a:t>
+              <a:t>10/22/2018</a:t>
             </a:fld>
             <a:endParaRPr lang="en-US" dirty="0"/>
           </a:p>
@@ -2039,7 +2040,7 @@
             <a:fld id="{5586B75A-687E-405C-8A0B-8D00578BA2C3}" type="datetimeFigureOut">
               <a:rPr lang="en-US" dirty="0"/>
               <a:pPr/>
-              <a:t>10/20/2018</a:t>
+              <a:t>10/22/2018</a:t>
             </a:fld>
             <a:endParaRPr lang="en-US" dirty="0"/>
           </a:p>
@@ -2324,7 +2325,7 @@
             <a:fld id="{5586B75A-687E-405C-8A0B-8D00578BA2C3}" type="datetimeFigureOut">
               <a:rPr lang="en-US" dirty="0"/>
               <a:pPr/>
-              <a:t>10/20/2018</a:t>
+              <a:t>10/22/2018</a:t>
             </a:fld>
             <a:endParaRPr lang="en-US" dirty="0"/>
           </a:p>
@@ -2594,7 +2595,7 @@
             <a:fld id="{5586B75A-687E-405C-8A0B-8D00578BA2C3}" type="datetimeFigureOut">
               <a:rPr lang="en-US" dirty="0"/>
               <a:pPr/>
-              <a:t>10/20/2018</a:t>
+              <a:t>10/22/2018</a:t>
             </a:fld>
             <a:endParaRPr lang="en-US" dirty="0"/>
           </a:p>
@@ -2888,7 +2889,7 @@
             <a:fld id="{5586B75A-687E-405C-8A0B-8D00578BA2C3}" type="datetimeFigureOut">
               <a:rPr lang="en-US" dirty="0"/>
               <a:pPr/>
-              <a:t>10/20/2018</a:t>
+              <a:t>10/22/2018</a:t>
             </a:fld>
             <a:endParaRPr lang="en-US" dirty="0"/>
           </a:p>
@@ -3403,10 +3404,105 @@
             <p:ph type="subTitle" idx="1"/>
           </p:nvPr>
         </p:nvSpPr>
-        <p:spPr/>
-        <p:txBody>
-          <a:bodyPr/>
-          <a:lstStyle/>
+        <p:spPr>
+          <a:xfrm>
+            <a:off x="9574712" y="1022073"/>
+            <a:ext cx="2359622" cy="1032970"/>
+          </a:xfrm>
+        </p:spPr>
+        <p:txBody>
+          <a:bodyPr>
+            <a:normAutofit fontScale="92500"/>
+          </a:bodyPr>
+          <a:lstStyle/>
+          <a:p>
+            <a:r>
+              <a:rPr lang="en-US" sz="2800" b="1" dirty="0">
+                <a:solidFill>
+                  <a:srgbClr val="92D050"/>
+                </a:solidFill>
+              </a:rPr>
+              <a:t>Don’t forget to </a:t>
+            </a:r>
+          </a:p>
+          <a:p>
+            <a:r>
+              <a:rPr lang="en-US" sz="2800" b="1" dirty="0">
+                <a:solidFill>
+                  <a:srgbClr val="92D050"/>
+                </a:solidFill>
+              </a:rPr>
+              <a:t>Sign-In!</a:t>
+            </a:r>
+          </a:p>
+        </p:txBody>
+      </p:sp>
+      <p:pic>
+        <p:nvPicPr>
+          <p:cNvPr id="7" name="Picture 6">
+            <a:extLst>
+              <a:ext uri="{FF2B5EF4-FFF2-40B4-BE49-F238E27FC236}">
+                <a16:creationId xmlns:a16="http://schemas.microsoft.com/office/drawing/2014/main" id="{B8C04E2B-448F-4C3D-82BF-BD1854DBFBE2}"/>
+              </a:ext>
+            </a:extLst>
+          </p:cNvPr>
+          <p:cNvPicPr>
+            <a:picLocks noChangeAspect="1"/>
+          </p:cNvPicPr>
+          <p:nvPr/>
+        </p:nvPicPr>
+        <p:blipFill>
+          <a:blip r:embed="rId2"/>
+          <a:stretch>
+            <a:fillRect/>
+          </a:stretch>
+        </p:blipFill>
+        <p:spPr>
+          <a:xfrm>
+            <a:off x="9818525" y="2501589"/>
+            <a:ext cx="1871996" cy="1854821"/>
+          </a:xfrm>
+          <a:prstGeom prst="rect">
+            <a:avLst/>
+          </a:prstGeom>
+        </p:spPr>
+      </p:pic>
+      <p:sp>
+        <p:nvSpPr>
+          <p:cNvPr id="8" name="TextBox 7">
+            <a:extLst>
+              <a:ext uri="{FF2B5EF4-FFF2-40B4-BE49-F238E27FC236}">
+                <a16:creationId xmlns:a16="http://schemas.microsoft.com/office/drawing/2014/main" id="{1F2E701A-23CB-47BF-920F-87CFDB943311}"/>
+              </a:ext>
+            </a:extLst>
+          </p:cNvPr>
+          <p:cNvSpPr txBox="1"/>
+          <p:nvPr/>
+        </p:nvSpPr>
+        <p:spPr>
+          <a:xfrm>
+            <a:off x="9341679" y="5171308"/>
+            <a:ext cx="2884602" cy="646331"/>
+          </a:xfrm>
+          <a:prstGeom prst="rect">
+            <a:avLst/>
+          </a:prstGeom>
+          <a:noFill/>
+        </p:spPr>
+        <p:txBody>
+          <a:bodyPr wrap="square" rtlCol="0">
+            <a:spAutoFit/>
+          </a:bodyPr>
+          <a:lstStyle/>
+          <a:p>
+            <a:r>
+              <a:rPr lang="en-US" dirty="0">
+                <a:hlinkClick r:id="rId3"/>
+              </a:rPr>
+              <a:t>https://go.osu.edu/tidyverse</a:t>
+            </a:r>
+            <a:endParaRPr lang="en-US" dirty="0"/>
+          </a:p>
           <a:p>
             <a:endParaRPr lang="en-US" dirty="0"/>
           </a:p>
@@ -3460,11 +3556,13 @@
         </p:nvSpPr>
         <p:spPr/>
         <p:txBody>
-          <a:bodyPr/>
-          <a:lstStyle/>
-          <a:p>
-            <a:r>
-              <a:rPr lang="en-US" dirty="0"/>
+          <a:bodyPr>
+            <a:normAutofit/>
+          </a:bodyPr>
+          <a:lstStyle/>
+          <a:p>
+            <a:r>
+              <a:rPr lang="en-US" sz="4400" dirty="0"/>
               <a:t>Agenda</a:t>
             </a:r>
           </a:p>
@@ -3494,28 +3592,40 @@
           <a:lstStyle/>
           <a:p>
             <a:r>
-              <a:rPr lang="en-US" sz="2800" dirty="0"/>
+              <a:rPr lang="en-US" sz="2400" dirty="0"/>
               <a:t>What is </a:t>
             </a:r>
             <a:r>
-              <a:rPr lang="en-US" sz="2800" dirty="0" err="1"/>
+              <a:rPr lang="en-US" sz="2400" dirty="0" err="1"/>
               <a:t>Tidyverse</a:t>
             </a:r>
             <a:r>
-              <a:rPr lang="en-US" sz="2800" dirty="0"/>
+              <a:rPr lang="en-US" sz="2400" dirty="0"/>
               <a:t>?</a:t>
             </a:r>
           </a:p>
           <a:p>
-            <a:r>
-              <a:rPr lang="en-US" sz="2800" dirty="0"/>
+            <a:pPr marL="0" indent="0">
+              <a:buNone/>
+            </a:pPr>
+            <a:endParaRPr lang="en-US" sz="2400" dirty="0"/>
+          </a:p>
+          <a:p>
+            <a:r>
+              <a:rPr lang="en-US" sz="2400" dirty="0"/>
+              <a:t>Key Takeaways</a:t>
+            </a:r>
+          </a:p>
+          <a:p>
+            <a:pPr marL="0" indent="0">
+              <a:buNone/>
+            </a:pPr>
+            <a:endParaRPr lang="en-US" sz="2400" dirty="0"/>
+          </a:p>
+          <a:p>
+            <a:r>
+              <a:rPr lang="en-US" sz="2400" dirty="0"/>
               <a:t>Data </a:t>
-            </a:r>
-          </a:p>
-          <a:p>
-            <a:r>
-              <a:rPr lang="en-US" sz="2800" dirty="0"/>
-              <a:t>Visualizations</a:t>
             </a:r>
           </a:p>
         </p:txBody>
@@ -3552,6 +3662,143 @@
       </p:grpSpPr>
       <p:sp>
         <p:nvSpPr>
+          <p:cNvPr id="2" name="Title 1">
+            <a:extLst>
+              <a:ext uri="{FF2B5EF4-FFF2-40B4-BE49-F238E27FC236}">
+                <a16:creationId xmlns:a16="http://schemas.microsoft.com/office/drawing/2014/main" id="{A9532183-5A8F-4301-8F7F-A56E37477FA6}"/>
+              </a:ext>
+            </a:extLst>
+          </p:cNvPr>
+          <p:cNvSpPr>
+            <a:spLocks noGrp="1"/>
+          </p:cNvSpPr>
+          <p:nvPr>
+            <p:ph type="title"/>
+          </p:nvPr>
+        </p:nvSpPr>
+        <p:spPr/>
+        <p:txBody>
+          <a:bodyPr>
+            <a:normAutofit/>
+          </a:bodyPr>
+          <a:lstStyle/>
+          <a:p>
+            <a:r>
+              <a:rPr lang="en-US" sz="4400" dirty="0"/>
+              <a:t>Before We Start…</a:t>
+            </a:r>
+          </a:p>
+        </p:txBody>
+      </p:sp>
+      <p:sp>
+        <p:nvSpPr>
+          <p:cNvPr id="3" name="Content Placeholder 2">
+            <a:extLst>
+              <a:ext uri="{FF2B5EF4-FFF2-40B4-BE49-F238E27FC236}">
+                <a16:creationId xmlns:a16="http://schemas.microsoft.com/office/drawing/2014/main" id="{528199AE-0B8F-4259-9635-87C021397052}"/>
+              </a:ext>
+            </a:extLst>
+          </p:cNvPr>
+          <p:cNvSpPr>
+            <a:spLocks noGrp="1"/>
+          </p:cNvSpPr>
+          <p:nvPr>
+            <p:ph idx="1"/>
+          </p:nvPr>
+        </p:nvSpPr>
+        <p:spPr/>
+        <p:txBody>
+          <a:bodyPr/>
+          <a:lstStyle/>
+          <a:p>
+            <a:r>
+              <a:rPr lang="en-US" sz="2400" dirty="0"/>
+              <a:t>Download R!</a:t>
+            </a:r>
+          </a:p>
+          <a:p>
+            <a:r>
+              <a:rPr lang="en-US" sz="2400" dirty="0"/>
+              <a:t> R </a:t>
+            </a:r>
+            <a:r>
+              <a:rPr lang="en-US" sz="2400" dirty="0">
+                <a:hlinkClick r:id="rId2"/>
+              </a:rPr>
+              <a:t>https://cloud.r-project.org/</a:t>
+            </a:r>
+            <a:endParaRPr lang="en-US" sz="2400" dirty="0"/>
+          </a:p>
+          <a:p>
+            <a:r>
+              <a:rPr lang="en-US" sz="2400" dirty="0" err="1"/>
+              <a:t>RStudio</a:t>
+            </a:r>
+            <a:r>
+              <a:rPr lang="en-US" sz="2400" dirty="0"/>
+              <a:t> </a:t>
+            </a:r>
+            <a:r>
+              <a:rPr lang="en-US" sz="2400" dirty="0">
+                <a:hlinkClick r:id="rId3"/>
+              </a:rPr>
+              <a:t>https://www.rstudio.com/products/rstudio/download/</a:t>
+            </a:r>
+            <a:endParaRPr lang="en-US" sz="2400" dirty="0"/>
+          </a:p>
+          <a:p>
+            <a:r>
+              <a:rPr lang="en-US" sz="2400" dirty="0" err="1"/>
+              <a:t>Github</a:t>
+            </a:r>
+            <a:r>
+              <a:rPr lang="en-US" sz="2400" dirty="0"/>
+              <a:t> Repository</a:t>
+            </a:r>
+          </a:p>
+          <a:p>
+            <a:r>
+              <a:rPr lang="en-US" sz="2400" dirty="0">
+                <a:hlinkClick r:id="rId4"/>
+              </a:rPr>
+              <a:t>https://github.com/kenbraggs/Tidyverse-Workshop/</a:t>
+            </a:r>
+            <a:endParaRPr lang="en-US" sz="2400" dirty="0"/>
+          </a:p>
+        </p:txBody>
+      </p:sp>
+    </p:spTree>
+    <p:extLst>
+      <p:ext uri="{BB962C8B-B14F-4D97-AF65-F5344CB8AC3E}">
+        <p14:creationId xmlns:p14="http://schemas.microsoft.com/office/powerpoint/2010/main" val="2759241070"/>
+      </p:ext>
+    </p:extLst>
+  </p:cSld>
+  <p:clrMapOvr>
+    <a:masterClrMapping/>
+  </p:clrMapOvr>
+</p:sld>
+</file>
+
+<file path=ppt/slides/slide4.xml><?xml version="1.0" encoding="utf-8"?>
+<p:sld xmlns:a="http://schemas.openxmlformats.org/drawingml/2006/main" xmlns:r="http://schemas.openxmlformats.org/officeDocument/2006/relationships" xmlns:p="http://schemas.openxmlformats.org/presentationml/2006/main">
+  <p:cSld>
+    <p:spTree>
+      <p:nvGrpSpPr>
+        <p:cNvPr id="1" name=""/>
+        <p:cNvGrpSpPr/>
+        <p:nvPr/>
+      </p:nvGrpSpPr>
+      <p:grpSpPr>
+        <a:xfrm>
+          <a:off x="0" y="0"/>
+          <a:ext cx="0" cy="0"/>
+          <a:chOff x="0" y="0"/>
+          <a:chExt cx="0" cy="0"/>
+        </a:xfrm>
+      </p:grpSpPr>
+      <p:sp>
+        <p:nvSpPr>
           <p:cNvPr id="8" name="Title 7">
             <a:extLst>
               <a:ext uri="{FF2B5EF4-FFF2-40B4-BE49-F238E27FC236}">
@@ -3568,19 +3815,21 @@
         </p:nvSpPr>
         <p:spPr/>
         <p:txBody>
-          <a:bodyPr/>
-          <a:lstStyle/>
-          <a:p>
-            <a:r>
-              <a:rPr lang="en-US" dirty="0"/>
+          <a:bodyPr>
+            <a:normAutofit/>
+          </a:bodyPr>
+          <a:lstStyle/>
+          <a:p>
+            <a:r>
+              <a:rPr lang="en-US" sz="4400" dirty="0"/>
               <a:t>What is </a:t>
             </a:r>
             <a:r>
-              <a:rPr lang="en-US" dirty="0" err="1"/>
+              <a:rPr lang="en-US" sz="4400" dirty="0" err="1"/>
               <a:t>Tidverse</a:t>
             </a:r>
             <a:r>
-              <a:rPr lang="en-US" dirty="0"/>
+              <a:rPr lang="en-US" sz="4400" dirty="0"/>
               <a:t>?</a:t>
             </a:r>
           </a:p>
@@ -3604,20 +3853,22 @@
         </p:nvSpPr>
         <p:spPr>
           <a:xfrm>
-            <a:off x="3869268" y="864108"/>
+            <a:off x="3869267" y="750987"/>
             <a:ext cx="7315200" cy="1436032"/>
           </a:xfrm>
         </p:spPr>
         <p:txBody>
-          <a:bodyPr/>
-          <a:lstStyle/>
-          <a:p>
-            <a:r>
-              <a:rPr lang="en-US" dirty="0" err="1"/>
+          <a:bodyPr>
+            <a:normAutofit/>
+          </a:bodyPr>
+          <a:lstStyle/>
+          <a:p>
+            <a:r>
+              <a:rPr lang="en-US" sz="2400" dirty="0" err="1"/>
               <a:t>Tidyverse</a:t>
             </a:r>
             <a:r>
-              <a:rPr lang="en-US" dirty="0"/>
+              <a:rPr lang="en-US" sz="2400" dirty="0"/>
               <a:t> is a collection of R packages used in conjunction for data science.</a:t>
             </a:r>
           </a:p>
@@ -3666,154 +3917,6 @@
 </p:sld>
 </file>
 
-<file path=ppt/slides/slide4.xml><?xml version="1.0" encoding="utf-8"?>
-<p:sld xmlns:a="http://schemas.openxmlformats.org/drawingml/2006/main" xmlns:r="http://schemas.openxmlformats.org/officeDocument/2006/relationships" xmlns:p="http://schemas.openxmlformats.org/presentationml/2006/main">
-  <p:cSld>
-    <p:spTree>
-      <p:nvGrpSpPr>
-        <p:cNvPr id="1" name=""/>
-        <p:cNvGrpSpPr/>
-        <p:nvPr/>
-      </p:nvGrpSpPr>
-      <p:grpSpPr>
-        <a:xfrm>
-          <a:off x="0" y="0"/>
-          <a:ext cx="0" cy="0"/>
-          <a:chOff x="0" y="0"/>
-          <a:chExt cx="0" cy="0"/>
-        </a:xfrm>
-      </p:grpSpPr>
-      <p:sp>
-        <p:nvSpPr>
-          <p:cNvPr id="2" name="Title 1">
-            <a:extLst>
-              <a:ext uri="{FF2B5EF4-FFF2-40B4-BE49-F238E27FC236}">
-                <a16:creationId xmlns:a16="http://schemas.microsoft.com/office/drawing/2014/main" id="{E7C36C41-537C-49EF-9FA9-73833E889CF0}"/>
-              </a:ext>
-            </a:extLst>
-          </p:cNvPr>
-          <p:cNvSpPr>
-            <a:spLocks noGrp="1"/>
-          </p:cNvSpPr>
-          <p:nvPr>
-            <p:ph type="title"/>
-          </p:nvPr>
-        </p:nvSpPr>
-        <p:spPr/>
-        <p:txBody>
-          <a:bodyPr/>
-          <a:lstStyle/>
-          <a:p>
-            <a:r>
-              <a:rPr lang="en-US" dirty="0"/>
-              <a:t>Where Can You Learn More?</a:t>
-            </a:r>
-          </a:p>
-        </p:txBody>
-      </p:sp>
-      <p:pic>
-        <p:nvPicPr>
-          <p:cNvPr id="7" name="Content Placeholder 6">
-            <a:extLst>
-              <a:ext uri="{FF2B5EF4-FFF2-40B4-BE49-F238E27FC236}">
-                <a16:creationId xmlns:a16="http://schemas.microsoft.com/office/drawing/2014/main" id="{9A97D9B3-9742-4E75-A5D3-0522C0C50333}"/>
-              </a:ext>
-            </a:extLst>
-          </p:cNvPr>
-          <p:cNvPicPr>
-            <a:picLocks noGrp="1" noChangeAspect="1"/>
-          </p:cNvPicPr>
-          <p:nvPr>
-            <p:ph sz="half" idx="1"/>
-          </p:nvPr>
-        </p:nvPicPr>
-        <p:blipFill>
-          <a:blip r:embed="rId2"/>
-          <a:stretch>
-            <a:fillRect/>
-          </a:stretch>
-        </p:blipFill>
-        <p:spPr>
-          <a:xfrm>
-            <a:off x="4080795" y="1143189"/>
-            <a:ext cx="3047748" cy="4571622"/>
-          </a:xfrm>
-        </p:spPr>
-      </p:pic>
-      <p:sp>
-        <p:nvSpPr>
-          <p:cNvPr id="5" name="Content Placeholder 4">
-            <a:extLst>
-              <a:ext uri="{FF2B5EF4-FFF2-40B4-BE49-F238E27FC236}">
-                <a16:creationId xmlns:a16="http://schemas.microsoft.com/office/drawing/2014/main" id="{AD1E946C-6B0B-4214-88BF-20CEA4FBD53E}"/>
-              </a:ext>
-            </a:extLst>
-          </p:cNvPr>
-          <p:cNvSpPr>
-            <a:spLocks noGrp="1"/>
-          </p:cNvSpPr>
-          <p:nvPr>
-            <p:ph sz="half" idx="2"/>
-          </p:nvPr>
-        </p:nvSpPr>
-        <p:spPr/>
-        <p:txBody>
-          <a:bodyPr/>
-          <a:lstStyle/>
-          <a:p>
-            <a:r>
-              <a:rPr lang="en-US" dirty="0"/>
-              <a:t>Written in part by Hadley Wickham, Chief Scientist at R</a:t>
-            </a:r>
-          </a:p>
-          <a:p>
-            <a:r>
-              <a:rPr lang="en-US" dirty="0"/>
-              <a:t>Instructional book on how to use </a:t>
-            </a:r>
-            <a:r>
-              <a:rPr lang="en-US" dirty="0" err="1"/>
-              <a:t>Tidyverse</a:t>
-            </a:r>
-            <a:r>
-              <a:rPr lang="en-US" dirty="0"/>
-              <a:t> package</a:t>
-            </a:r>
-          </a:p>
-          <a:p>
-            <a:r>
-              <a:rPr lang="en-US" dirty="0"/>
-              <a:t>You can find this book here: </a:t>
-            </a:r>
-            <a:r>
-              <a:rPr lang="en-US" dirty="0">
-                <a:hlinkClick r:id="rId3"/>
-              </a:rPr>
-              <a:t>http://r4ds.had.co.nz/</a:t>
-            </a:r>
-            <a:endParaRPr lang="en-US" dirty="0"/>
-          </a:p>
-          <a:p>
-            <a:pPr marL="0" indent="0">
-              <a:buNone/>
-            </a:pPr>
-            <a:endParaRPr lang="en-US" dirty="0"/>
-          </a:p>
-        </p:txBody>
-      </p:sp>
-    </p:spTree>
-    <p:extLst>
-      <p:ext uri="{BB962C8B-B14F-4D97-AF65-F5344CB8AC3E}">
-        <p14:creationId xmlns:p14="http://schemas.microsoft.com/office/powerpoint/2010/main" val="2843264229"/>
-      </p:ext>
-    </p:extLst>
-  </p:cSld>
-  <p:clrMapOvr>
-    <a:masterClrMapping/>
-  </p:clrMapOvr>
-</p:sld>
-</file>
-
 <file path=ppt/slides/slide5.xml><?xml version="1.0" encoding="utf-8"?>
 <p:sld xmlns:a="http://schemas.openxmlformats.org/drawingml/2006/main" xmlns:r="http://schemas.openxmlformats.org/officeDocument/2006/relationships" xmlns:p="http://schemas.openxmlformats.org/presentationml/2006/main">
   <p:cSld>
@@ -3833,10 +3936,10 @@
       </p:grpSpPr>
       <p:sp>
         <p:nvSpPr>
-          <p:cNvPr id="5" name="Title 4">
+          <p:cNvPr id="2" name="Title 1">
             <a:extLst>
               <a:ext uri="{FF2B5EF4-FFF2-40B4-BE49-F238E27FC236}">
-                <a16:creationId xmlns:a16="http://schemas.microsoft.com/office/drawing/2014/main" id="{97C345EE-29BC-48EB-94C5-D956FA7EECD5}"/>
+                <a16:creationId xmlns:a16="http://schemas.microsoft.com/office/drawing/2014/main" id="{E7C36C41-537C-49EF-9FA9-73833E889CF0}"/>
               </a:ext>
             </a:extLst>
           </p:cNvPr>
@@ -3849,30 +3952,61 @@
         </p:nvSpPr>
         <p:spPr/>
         <p:txBody>
-          <a:bodyPr/>
-          <a:lstStyle/>
-          <a:p>
-            <a:r>
-              <a:rPr lang="en-US" dirty="0"/>
-              <a:t>What Should You Takeaway?</a:t>
-            </a:r>
-          </a:p>
-        </p:txBody>
-      </p:sp>
-      <p:sp>
-        <p:nvSpPr>
-          <p:cNvPr id="6" name="Content Placeholder 5">
+          <a:bodyPr>
+            <a:normAutofit/>
+          </a:bodyPr>
+          <a:lstStyle/>
+          <a:p>
+            <a:r>
+              <a:rPr lang="en-US" sz="4400" dirty="0"/>
+              <a:t>Where Can You Learn More?</a:t>
+            </a:r>
+          </a:p>
+        </p:txBody>
+      </p:sp>
+      <p:pic>
+        <p:nvPicPr>
+          <p:cNvPr id="7" name="Content Placeholder 6">
             <a:extLst>
               <a:ext uri="{FF2B5EF4-FFF2-40B4-BE49-F238E27FC236}">
-                <a16:creationId xmlns:a16="http://schemas.microsoft.com/office/drawing/2014/main" id="{F26956D8-F4D4-48AE-8618-103B4E4787B4}"/>
+                <a16:creationId xmlns:a16="http://schemas.microsoft.com/office/drawing/2014/main" id="{9A97D9B3-9742-4E75-A5D3-0522C0C50333}"/>
               </a:ext>
             </a:extLst>
           </p:cNvPr>
-          <p:cNvSpPr>
-            <a:spLocks noGrp="1"/>
-          </p:cNvSpPr>
-          <p:nvPr>
-            <p:ph idx="1"/>
+          <p:cNvPicPr>
+            <a:picLocks noGrp="1" noChangeAspect="1"/>
+          </p:cNvPicPr>
+          <p:nvPr>
+            <p:ph sz="half" idx="1"/>
+          </p:nvPr>
+        </p:nvPicPr>
+        <p:blipFill>
+          <a:blip r:embed="rId2"/>
+          <a:stretch>
+            <a:fillRect/>
+          </a:stretch>
+        </p:blipFill>
+        <p:spPr>
+          <a:xfrm>
+            <a:off x="4080795" y="1143189"/>
+            <a:ext cx="3047748" cy="4571622"/>
+          </a:xfrm>
+        </p:spPr>
+      </p:pic>
+      <p:sp>
+        <p:nvSpPr>
+          <p:cNvPr id="5" name="Content Placeholder 4">
+            <a:extLst>
+              <a:ext uri="{FF2B5EF4-FFF2-40B4-BE49-F238E27FC236}">
+                <a16:creationId xmlns:a16="http://schemas.microsoft.com/office/drawing/2014/main" id="{AD1E946C-6B0B-4214-88BF-20CEA4FBD53E}"/>
+              </a:ext>
+            </a:extLst>
+          </p:cNvPr>
+          <p:cNvSpPr>
+            <a:spLocks noGrp="1"/>
+          </p:cNvSpPr>
+          <p:nvPr>
+            <p:ph sz="half" idx="2"/>
           </p:nvPr>
         </p:nvSpPr>
         <p:spPr/>
@@ -3881,80 +4015,41 @@
           <a:lstStyle/>
           <a:p>
             <a:r>
-              <a:rPr lang="en-US" dirty="0"/>
-              <a:t>Data Manipulation</a:t>
-            </a:r>
-          </a:p>
-          <a:p>
-            <a:pPr lvl="1"/>
-            <a:r>
-              <a:rPr lang="en-US" dirty="0"/>
-              <a:t>%&gt;%</a:t>
-            </a:r>
-          </a:p>
-          <a:p>
-            <a:pPr lvl="1"/>
-            <a:r>
-              <a:rPr lang="en-US" dirty="0"/>
-              <a:t>Filter</a:t>
-            </a:r>
-          </a:p>
-          <a:p>
-            <a:pPr lvl="1"/>
-            <a:r>
-              <a:rPr lang="en-US" dirty="0" err="1"/>
-              <a:t>Group_by</a:t>
-            </a:r>
-            <a:endParaRPr lang="en-US" dirty="0"/>
-          </a:p>
-          <a:p>
-            <a:pPr lvl="1"/>
-            <a:r>
-              <a:rPr lang="en-US" dirty="0"/>
-              <a:t>Summarize</a:t>
-            </a:r>
-          </a:p>
-          <a:p>
-            <a:pPr lvl="1"/>
-            <a:r>
-              <a:rPr lang="en-US" dirty="0"/>
-              <a:t>Rename</a:t>
-            </a:r>
-          </a:p>
-          <a:p>
-            <a:pPr lvl="1"/>
-            <a:r>
-              <a:rPr lang="en-US" dirty="0"/>
-              <a:t>Select</a:t>
-            </a:r>
-          </a:p>
-          <a:p>
-            <a:pPr lvl="1"/>
-            <a:r>
-              <a:rPr lang="en-US" dirty="0"/>
-              <a:t>Mutate</a:t>
-            </a:r>
-          </a:p>
-          <a:p>
-            <a:r>
-              <a:rPr lang="en-US" dirty="0"/>
-              <a:t>Data Visualization</a:t>
-            </a:r>
-          </a:p>
-          <a:p>
-            <a:pPr lvl="1"/>
-            <a:r>
-              <a:rPr lang="en-US" dirty="0" err="1"/>
-              <a:t>GGPlot</a:t>
-            </a:r>
-            <a:endParaRPr lang="en-US" dirty="0"/>
-          </a:p>
-          <a:p>
-            <a:pPr lvl="1"/>
-            <a:r>
-              <a:rPr lang="en-US" dirty="0" err="1"/>
-              <a:t>Plotly</a:t>
-            </a:r>
+              <a:rPr lang="en-US" sz="2400" dirty="0"/>
+              <a:t>Written in part by Hadley Wickham, Chief Scientist at R</a:t>
+            </a:r>
+          </a:p>
+          <a:p>
+            <a:r>
+              <a:rPr lang="en-US" sz="2400" dirty="0"/>
+              <a:t>Instructional book on how to use </a:t>
+            </a:r>
+            <a:r>
+              <a:rPr lang="en-US" sz="2400" dirty="0" err="1"/>
+              <a:t>Tidyverse</a:t>
+            </a:r>
+            <a:r>
+              <a:rPr lang="en-US" sz="2400" dirty="0"/>
+              <a:t> package</a:t>
+            </a:r>
+          </a:p>
+          <a:p>
+            <a:r>
+              <a:rPr lang="en-US" sz="2400" dirty="0"/>
+              <a:t>You can find this book here: </a:t>
+            </a:r>
+            <a:r>
+              <a:rPr lang="en-US" sz="2400" dirty="0">
+                <a:hlinkClick r:id="rId3"/>
+              </a:rPr>
+              <a:t>http://r4ds.had.co.nz/</a:t>
+            </a:r>
+            <a:endParaRPr lang="en-US" sz="2400" dirty="0"/>
+          </a:p>
+          <a:p>
+            <a:pPr marL="0" indent="0">
+              <a:buNone/>
+            </a:pPr>
             <a:endParaRPr lang="en-US" dirty="0"/>
           </a:p>
         </p:txBody>
@@ -3962,7 +4057,7 @@
     </p:spTree>
     <p:extLst>
       <p:ext uri="{BB962C8B-B14F-4D97-AF65-F5344CB8AC3E}">
-        <p14:creationId xmlns:p14="http://schemas.microsoft.com/office/powerpoint/2010/main" val="3178353948"/>
+        <p14:creationId xmlns:p14="http://schemas.microsoft.com/office/powerpoint/2010/main" val="2843264229"/>
       </p:ext>
     </p:extLst>
   </p:cSld>
@@ -3991,6 +4086,236 @@
       </p:grpSpPr>
       <p:sp>
         <p:nvSpPr>
+          <p:cNvPr id="5" name="Title 4">
+            <a:extLst>
+              <a:ext uri="{FF2B5EF4-FFF2-40B4-BE49-F238E27FC236}">
+                <a16:creationId xmlns:a16="http://schemas.microsoft.com/office/drawing/2014/main" id="{97C345EE-29BC-48EB-94C5-D956FA7EECD5}"/>
+              </a:ext>
+            </a:extLst>
+          </p:cNvPr>
+          <p:cNvSpPr>
+            <a:spLocks noGrp="1"/>
+          </p:cNvSpPr>
+          <p:nvPr>
+            <p:ph type="title"/>
+          </p:nvPr>
+        </p:nvSpPr>
+        <p:spPr/>
+        <p:txBody>
+          <a:bodyPr>
+            <a:normAutofit/>
+          </a:bodyPr>
+          <a:lstStyle/>
+          <a:p>
+            <a:r>
+              <a:rPr lang="en-US" sz="4400" dirty="0"/>
+              <a:t>What Should You Takeaway?</a:t>
+            </a:r>
+          </a:p>
+        </p:txBody>
+      </p:sp>
+      <p:sp>
+        <p:nvSpPr>
+          <p:cNvPr id="6" name="Content Placeholder 5">
+            <a:extLst>
+              <a:ext uri="{FF2B5EF4-FFF2-40B4-BE49-F238E27FC236}">
+                <a16:creationId xmlns:a16="http://schemas.microsoft.com/office/drawing/2014/main" id="{F26956D8-F4D4-48AE-8618-103B4E4787B4}"/>
+              </a:ext>
+            </a:extLst>
+          </p:cNvPr>
+          <p:cNvSpPr>
+            <a:spLocks noGrp="1"/>
+          </p:cNvSpPr>
+          <p:nvPr>
+            <p:ph idx="1"/>
+          </p:nvPr>
+        </p:nvSpPr>
+        <p:spPr/>
+        <p:txBody>
+          <a:bodyPr>
+            <a:normAutofit/>
+          </a:bodyPr>
+          <a:lstStyle/>
+          <a:p>
+            <a:r>
+              <a:rPr lang="en-US" sz="2400" dirty="0"/>
+              <a:t>Data Manipulation</a:t>
+            </a:r>
+          </a:p>
+          <a:p>
+            <a:pPr lvl="1"/>
+            <a:r>
+              <a:rPr lang="en-US" sz="2400" dirty="0"/>
+              <a:t>%&gt;%</a:t>
+            </a:r>
+          </a:p>
+          <a:p>
+            <a:pPr lvl="1"/>
+            <a:r>
+              <a:rPr lang="en-US" sz="2400" dirty="0"/>
+              <a:t>Filter</a:t>
+            </a:r>
+          </a:p>
+          <a:p>
+            <a:pPr lvl="1"/>
+            <a:r>
+              <a:rPr lang="en-US" sz="2400" dirty="0" err="1"/>
+              <a:t>Group_by</a:t>
+            </a:r>
+            <a:endParaRPr lang="en-US" sz="2400" dirty="0"/>
+          </a:p>
+          <a:p>
+            <a:pPr lvl="1"/>
+            <a:r>
+              <a:rPr lang="en-US" sz="2400" dirty="0"/>
+              <a:t>Summarize</a:t>
+            </a:r>
+          </a:p>
+          <a:p>
+            <a:pPr lvl="1"/>
+            <a:r>
+              <a:rPr lang="en-US" sz="2400" dirty="0"/>
+              <a:t>Rename</a:t>
+            </a:r>
+          </a:p>
+          <a:p>
+            <a:pPr lvl="1"/>
+            <a:r>
+              <a:rPr lang="en-US" sz="2400" dirty="0"/>
+              <a:t>Select</a:t>
+            </a:r>
+          </a:p>
+          <a:p>
+            <a:pPr lvl="1"/>
+            <a:r>
+              <a:rPr lang="en-US" sz="2400" dirty="0"/>
+              <a:t>Mutate</a:t>
+            </a:r>
+          </a:p>
+          <a:p>
+            <a:r>
+              <a:rPr lang="en-US" sz="2400" dirty="0"/>
+              <a:t>Data Visualization</a:t>
+            </a:r>
+          </a:p>
+          <a:p>
+            <a:pPr lvl="1"/>
+            <a:r>
+              <a:rPr lang="en-US" sz="2400" dirty="0" err="1"/>
+              <a:t>GGPlot</a:t>
+            </a:r>
+            <a:endParaRPr lang="en-US" sz="2400" dirty="0"/>
+          </a:p>
+          <a:p>
+            <a:pPr lvl="1"/>
+            <a:r>
+              <a:rPr lang="en-US" sz="2400" dirty="0" err="1"/>
+              <a:t>Plotly</a:t>
+            </a:r>
+            <a:endParaRPr lang="en-US" sz="2400" dirty="0"/>
+          </a:p>
+        </p:txBody>
+      </p:sp>
+      <p:pic>
+        <p:nvPicPr>
+          <p:cNvPr id="7" name="Picture 6">
+            <a:extLst>
+              <a:ext uri="{FF2B5EF4-FFF2-40B4-BE49-F238E27FC236}">
+                <a16:creationId xmlns:a16="http://schemas.microsoft.com/office/drawing/2014/main" id="{16B457F3-3C7B-4D72-9BD9-8C497569828F}"/>
+              </a:ext>
+            </a:extLst>
+          </p:cNvPr>
+          <p:cNvPicPr>
+            <a:picLocks noChangeAspect="1"/>
+          </p:cNvPicPr>
+          <p:nvPr/>
+        </p:nvPicPr>
+        <p:blipFill>
+          <a:blip r:embed="rId2"/>
+          <a:stretch>
+            <a:fillRect/>
+          </a:stretch>
+        </p:blipFill>
+        <p:spPr>
+          <a:xfrm>
+            <a:off x="6627633" y="1918404"/>
+            <a:ext cx="4762500" cy="3190875"/>
+          </a:xfrm>
+          <a:prstGeom prst="rect">
+            <a:avLst/>
+          </a:prstGeom>
+        </p:spPr>
+      </p:pic>
+      <p:sp>
+        <p:nvSpPr>
+          <p:cNvPr id="8" name="TextBox 7">
+            <a:extLst>
+              <a:ext uri="{FF2B5EF4-FFF2-40B4-BE49-F238E27FC236}">
+                <a16:creationId xmlns:a16="http://schemas.microsoft.com/office/drawing/2014/main" id="{651E03F6-5820-49BB-9D45-A249D2F1A943}"/>
+              </a:ext>
+            </a:extLst>
+          </p:cNvPr>
+          <p:cNvSpPr txBox="1"/>
+          <p:nvPr/>
+        </p:nvSpPr>
+        <p:spPr>
+          <a:xfrm>
+            <a:off x="8135333" y="5109279"/>
+            <a:ext cx="2554664" cy="307777"/>
+          </a:xfrm>
+          <a:prstGeom prst="rect">
+            <a:avLst/>
+          </a:prstGeom>
+          <a:noFill/>
+        </p:spPr>
+        <p:txBody>
+          <a:bodyPr wrap="square" rtlCol="0">
+            <a:spAutoFit/>
+          </a:bodyPr>
+          <a:lstStyle/>
+          <a:p>
+            <a:r>
+              <a:rPr lang="en-US" sz="1400" dirty="0">
+                <a:hlinkClick r:id="rId3"/>
+              </a:rPr>
+              <a:t>https://gph.is/2gtQVhW</a:t>
+            </a:r>
+            <a:endParaRPr lang="en-US" sz="1400" dirty="0"/>
+          </a:p>
+        </p:txBody>
+      </p:sp>
+    </p:spTree>
+    <p:extLst>
+      <p:ext uri="{BB962C8B-B14F-4D97-AF65-F5344CB8AC3E}">
+        <p14:creationId xmlns:p14="http://schemas.microsoft.com/office/powerpoint/2010/main" val="3178353948"/>
+      </p:ext>
+    </p:extLst>
+  </p:cSld>
+  <p:clrMapOvr>
+    <a:masterClrMapping/>
+  </p:clrMapOvr>
+</p:sld>
+</file>
+
+<file path=ppt/slides/slide7.xml><?xml version="1.0" encoding="utf-8"?>
+<p:sld xmlns:a="http://schemas.openxmlformats.org/drawingml/2006/main" xmlns:r="http://schemas.openxmlformats.org/officeDocument/2006/relationships" xmlns:p="http://schemas.openxmlformats.org/presentationml/2006/main">
+  <p:cSld>
+    <p:spTree>
+      <p:nvGrpSpPr>
+        <p:cNvPr id="1" name=""/>
+        <p:cNvGrpSpPr/>
+        <p:nvPr/>
+      </p:nvGrpSpPr>
+      <p:grpSpPr>
+        <a:xfrm>
+          <a:off x="0" y="0"/>
+          <a:ext cx="0" cy="0"/>
+          <a:chOff x="0" y="0"/>
+          <a:chExt cx="0" cy="0"/>
+        </a:xfrm>
+      </p:grpSpPr>
+      <p:sp>
+        <p:nvSpPr>
           <p:cNvPr id="2" name="Title 1">
             <a:extLst>
               <a:ext uri="{FF2B5EF4-FFF2-40B4-BE49-F238E27FC236}">
@@ -4007,11 +4332,13 @@
         </p:nvSpPr>
         <p:spPr/>
         <p:txBody>
-          <a:bodyPr/>
-          <a:lstStyle/>
-          <a:p>
-            <a:r>
-              <a:rPr lang="en-US" dirty="0"/>
+          <a:bodyPr>
+            <a:normAutofit/>
+          </a:bodyPr>
+          <a:lstStyle/>
+          <a:p>
+            <a:r>
+              <a:rPr lang="en-US" sz="4400" dirty="0"/>
               <a:t>About the Data Set</a:t>
             </a:r>
           </a:p>
@@ -4033,28 +4360,103 @@
             <p:ph idx="1"/>
           </p:nvPr>
         </p:nvSpPr>
-        <p:spPr/>
-        <p:txBody>
-          <a:bodyPr/>
-          <a:lstStyle/>
-          <a:p>
-            <a:r>
-              <a:rPr lang="en-US" dirty="0"/>
+        <p:spPr>
+          <a:xfrm>
+            <a:off x="3879778" y="439753"/>
+            <a:ext cx="7315200" cy="3897078"/>
+          </a:xfrm>
+        </p:spPr>
+        <p:txBody>
+          <a:bodyPr>
+            <a:normAutofit/>
+          </a:bodyPr>
+          <a:lstStyle/>
+          <a:p>
+            <a:r>
+              <a:rPr lang="en-US" sz="2400" dirty="0"/>
               <a:t>Franklin County Car Crash Data</a:t>
             </a:r>
           </a:p>
           <a:p>
             <a:r>
-              <a:rPr lang="en-US" dirty="0"/>
+              <a:rPr lang="en-US" sz="2400" dirty="0"/>
               <a:t>Found Here: </a:t>
             </a:r>
             <a:r>
-              <a:rPr lang="en-US" dirty="0">
+              <a:rPr lang="en-US" sz="2400" dirty="0">
                 <a:hlinkClick r:id="rId2"/>
               </a:rPr>
               <a:t>https://ckan.smartcolumbusos.com/dataset/crash-data-for-franklin-county-2014-2016</a:t>
             </a:r>
-            <a:endParaRPr lang="en-US" dirty="0"/>
+            <a:endParaRPr lang="en-US" sz="2400" dirty="0"/>
+          </a:p>
+        </p:txBody>
+      </p:sp>
+      <p:pic>
+        <p:nvPicPr>
+          <p:cNvPr id="5" name="Picture 4">
+            <a:extLst>
+              <a:ext uri="{FF2B5EF4-FFF2-40B4-BE49-F238E27FC236}">
+                <a16:creationId xmlns:a16="http://schemas.microsoft.com/office/drawing/2014/main" id="{B4B21412-9A17-46F1-B52C-73BDFEB2D61D}"/>
+              </a:ext>
+            </a:extLst>
+          </p:cNvPr>
+          <p:cNvPicPr>
+            <a:picLocks noChangeAspect="1"/>
+          </p:cNvPicPr>
+          <p:nvPr/>
+        </p:nvPicPr>
+        <p:blipFill>
+          <a:blip r:embed="rId3"/>
+          <a:stretch>
+            <a:fillRect/>
+          </a:stretch>
+        </p:blipFill>
+        <p:spPr>
+          <a:xfrm>
+            <a:off x="4971394" y="3636579"/>
+            <a:ext cx="4101136" cy="2563210"/>
+          </a:xfrm>
+          <a:prstGeom prst="rect">
+            <a:avLst/>
+          </a:prstGeom>
+        </p:spPr>
+      </p:pic>
+      <p:sp>
+        <p:nvSpPr>
+          <p:cNvPr id="6" name="TextBox 5">
+            <a:extLst>
+              <a:ext uri="{FF2B5EF4-FFF2-40B4-BE49-F238E27FC236}">
+                <a16:creationId xmlns:a16="http://schemas.microsoft.com/office/drawing/2014/main" id="{C7BAC4BE-9E43-4A86-914D-D54933123519}"/>
+              </a:ext>
+            </a:extLst>
+          </p:cNvPr>
+          <p:cNvSpPr txBox="1"/>
+          <p:nvPr/>
+        </p:nvSpPr>
+        <p:spPr>
+          <a:xfrm>
+            <a:off x="6096000" y="6259645"/>
+            <a:ext cx="1885360" cy="317204"/>
+          </a:xfrm>
+          <a:prstGeom prst="rect">
+            <a:avLst/>
+          </a:prstGeom>
+          <a:noFill/>
+        </p:spPr>
+        <p:txBody>
+          <a:bodyPr wrap="square" rtlCol="0">
+            <a:spAutoFit/>
+          </a:bodyPr>
+          <a:lstStyle/>
+          <a:p>
+            <a:r>
+              <a:rPr lang="en-US" sz="1400" dirty="0">
+                <a:hlinkClick r:id="rId4"/>
+              </a:rPr>
+              <a:t>https://gph.is/1F5CqnK</a:t>
+            </a:r>
+            <a:endParaRPr lang="en-US" sz="1400" dirty="0"/>
           </a:p>
         </p:txBody>
       </p:sp>
